--- a/docs/prezentacia/prezentacia.pptx
+++ b/docs/prezentacia/prezentacia.pptx
@@ -15,8 +15,8 @@
     <p:sldId id="268" r:id="rId6"/>
     <p:sldId id="277" r:id="rId7"/>
     <p:sldId id="273" r:id="rId8"/>
-    <p:sldId id="274" r:id="rId9"/>
-    <p:sldId id="259" r:id="rId10"/>
+    <p:sldId id="259" r:id="rId9"/>
+    <p:sldId id="274" r:id="rId10"/>
     <p:sldId id="276" r:id="rId11"/>
     <p:sldId id="262" r:id="rId12"/>
     <p:sldId id="278" r:id="rId13"/>
@@ -9255,8 +9255,16 @@
           <a:p>
             <a:pPr rtl="0"/>
             <a:r>
+              <a:rPr lang="sk-SK" dirty="0" err="1" smtClean="0"/>
+              <a:t>BeŇO</a:t>
+            </a:r>
+            <a:r>
               <a:rPr lang="sk-SK" dirty="0" smtClean="0"/>
-              <a:t>podnadpis</a:t>
+              <a:t>, </a:t>
+            </a:r>
+            <a:r>
+              <a:rPr lang="sk-SK" dirty="0" err="1" smtClean="0"/>
+              <a:t>harvan</a:t>
             </a:r>
             <a:endParaRPr lang="sk" dirty="0"/>
           </a:p>
@@ -10321,14 +10329,16 @@
         </p:nvSpPr>
         <p:spPr/>
         <p:txBody>
-          <a:bodyPr/>
+          <a:bodyPr>
+            <a:normAutofit/>
+          </a:bodyPr>
           <a:lstStyle/>
           <a:p>
             <a:r>
-              <a:rPr lang="sk-SK" dirty="0" smtClean="0"/>
+              <a:rPr lang="sk-SK" sz="4000" dirty="0" smtClean="0"/>
               <a:t>Aktuálny stav prototypu</a:t>
             </a:r>
-            <a:endParaRPr lang="sk-SK" dirty="0"/>
+            <a:endParaRPr lang="sk-SK" sz="4000" dirty="0"/>
           </a:p>
         </p:txBody>
       </p:sp>
@@ -10494,7 +10504,11 @@
             <a:pPr rtl="0"/>
             <a:r>
               <a:rPr lang="sk-SK" dirty="0" smtClean="0"/>
-              <a:t>Naša nadstavba na článku</a:t>
+              <a:t>Naša nadstavba na </a:t>
+            </a:r>
+            <a:r>
+              <a:rPr lang="sk-SK" dirty="0" smtClean="0"/>
+              <a:t>článok</a:t>
             </a:r>
             <a:endParaRPr lang="en-US" dirty="0"/>
           </a:p>
@@ -10894,6 +10908,96 @@
       </p:grpSpPr>
       <p:sp>
         <p:nvSpPr>
+          <p:cNvPr id="4" name="Nadpis 3"/>
+          <p:cNvSpPr>
+            <a:spLocks noGrp="1"/>
+          </p:cNvSpPr>
+          <p:nvPr>
+            <p:ph type="title"/>
+          </p:nvPr>
+        </p:nvSpPr>
+        <p:spPr/>
+        <p:txBody>
+          <a:bodyPr rtlCol="0"/>
+          <a:lstStyle/>
+          <a:p>
+            <a:pPr rtl="0"/>
+            <a:r>
+              <a:rPr lang="en-US" dirty="0" smtClean="0"/>
+              <a:t>Experiment</a:t>
+            </a:r>
+            <a:endParaRPr lang="sk" dirty="0"/>
+          </a:p>
+        </p:txBody>
+      </p:sp>
+      <p:sp>
+        <p:nvSpPr>
+          <p:cNvPr id="5" name="Zástupný text 4"/>
+          <p:cNvSpPr>
+            <a:spLocks noGrp="1"/>
+          </p:cNvSpPr>
+          <p:nvPr>
+            <p:ph type="body" idx="1"/>
+          </p:nvPr>
+        </p:nvSpPr>
+        <p:spPr/>
+        <p:txBody>
+          <a:bodyPr rtlCol="0"/>
+          <a:lstStyle/>
+          <a:p>
+            <a:pPr rtl="0"/>
+            <a:r>
+              <a:rPr lang="sk-SK" dirty="0" smtClean="0"/>
+              <a:t>Testovanie funkčnosti firewallu</a:t>
+            </a:r>
+            <a:endParaRPr lang="sk-SK" dirty="0"/>
+          </a:p>
+        </p:txBody>
+      </p:sp>
+    </p:spTree>
+    <p:extLst>
+      <p:ext uri="{BB962C8B-B14F-4D97-AF65-F5344CB8AC3E}">
+        <p14:creationId xmlns:p14="http://schemas.microsoft.com/office/powerpoint/2010/main" val="4264977537"/>
+      </p:ext>
+    </p:extLst>
+  </p:cSld>
+  <p:clrMapOvr>
+    <a:masterClrMapping/>
+  </p:clrMapOvr>
+  <mc:AlternateContent xmlns:mc="http://schemas.openxmlformats.org/markup-compatibility/2006" xmlns:p14="http://schemas.microsoft.com/office/powerpoint/2010/main">
+    <mc:Choice Requires="p14">
+      <p:transition spd="med" p14:dur="700">
+        <p:fade/>
+      </p:transition>
+    </mc:Choice>
+    <mc:Fallback xmlns="">
+      <p:transition spd="med">
+        <p:fade/>
+      </p:transition>
+    </mc:Fallback>
+  </mc:AlternateContent>
+</p:sld>
+</file>
+
+<file path=ppt/slides/slide6.xml><?xml version="1.0" encoding="utf-8"?>
+<p:sld xmlns:a="http://schemas.openxmlformats.org/drawingml/2006/main" xmlns:r="http://schemas.openxmlformats.org/officeDocument/2006/relationships" xmlns:p="http://schemas.openxmlformats.org/presentationml/2006/main">
+  <p:cSld>
+    <p:spTree>
+      <p:nvGrpSpPr>
+        <p:cNvPr id="1" name=""/>
+        <p:cNvGrpSpPr/>
+        <p:nvPr/>
+      </p:nvGrpSpPr>
+      <p:grpSpPr>
+        <a:xfrm>
+          <a:off x="0" y="0"/>
+          <a:ext cx="0" cy="0"/>
+          <a:chOff x="0" y="0"/>
+          <a:chExt cx="0" cy="0"/>
+        </a:xfrm>
+      </p:grpSpPr>
+      <p:sp>
+        <p:nvSpPr>
           <p:cNvPr id="2" name="Nadpis 1"/>
           <p:cNvSpPr>
             <a:spLocks noGrp="1"/>
@@ -11066,96 +11170,6 @@
     <p:extLst>
       <p:ext uri="{BB962C8B-B14F-4D97-AF65-F5344CB8AC3E}">
         <p14:creationId xmlns:p14="http://schemas.microsoft.com/office/powerpoint/2010/main" val="774860873"/>
-      </p:ext>
-    </p:extLst>
-  </p:cSld>
-  <p:clrMapOvr>
-    <a:masterClrMapping/>
-  </p:clrMapOvr>
-  <mc:AlternateContent xmlns:mc="http://schemas.openxmlformats.org/markup-compatibility/2006" xmlns:p14="http://schemas.microsoft.com/office/powerpoint/2010/main">
-    <mc:Choice Requires="p14">
-      <p:transition spd="med" p14:dur="700">
-        <p:fade/>
-      </p:transition>
-    </mc:Choice>
-    <mc:Fallback xmlns="">
-      <p:transition spd="med">
-        <p:fade/>
-      </p:transition>
-    </mc:Fallback>
-  </mc:AlternateContent>
-</p:sld>
-</file>
-
-<file path=ppt/slides/slide6.xml><?xml version="1.0" encoding="utf-8"?>
-<p:sld xmlns:a="http://schemas.openxmlformats.org/drawingml/2006/main" xmlns:r="http://schemas.openxmlformats.org/officeDocument/2006/relationships" xmlns:p="http://schemas.openxmlformats.org/presentationml/2006/main">
-  <p:cSld>
-    <p:spTree>
-      <p:nvGrpSpPr>
-        <p:cNvPr id="1" name=""/>
-        <p:cNvGrpSpPr/>
-        <p:nvPr/>
-      </p:nvGrpSpPr>
-      <p:grpSpPr>
-        <a:xfrm>
-          <a:off x="0" y="0"/>
-          <a:ext cx="0" cy="0"/>
-          <a:chOff x="0" y="0"/>
-          <a:chExt cx="0" cy="0"/>
-        </a:xfrm>
-      </p:grpSpPr>
-      <p:sp>
-        <p:nvSpPr>
-          <p:cNvPr id="4" name="Nadpis 3"/>
-          <p:cNvSpPr>
-            <a:spLocks noGrp="1"/>
-          </p:cNvSpPr>
-          <p:nvPr>
-            <p:ph type="title"/>
-          </p:nvPr>
-        </p:nvSpPr>
-        <p:spPr/>
-        <p:txBody>
-          <a:bodyPr rtlCol="0"/>
-          <a:lstStyle/>
-          <a:p>
-            <a:pPr rtl="0"/>
-            <a:r>
-              <a:rPr lang="en-US" dirty="0" smtClean="0"/>
-              <a:t>Experiment</a:t>
-            </a:r>
-            <a:endParaRPr lang="sk" dirty="0"/>
-          </a:p>
-        </p:txBody>
-      </p:sp>
-      <p:sp>
-        <p:nvSpPr>
-          <p:cNvPr id="5" name="Zástupný text 4"/>
-          <p:cNvSpPr>
-            <a:spLocks noGrp="1"/>
-          </p:cNvSpPr>
-          <p:nvPr>
-            <p:ph type="body" idx="1"/>
-          </p:nvPr>
-        </p:nvSpPr>
-        <p:spPr/>
-        <p:txBody>
-          <a:bodyPr rtlCol="0"/>
-          <a:lstStyle/>
-          <a:p>
-            <a:pPr rtl="0"/>
-            <a:r>
-              <a:rPr lang="sk-SK" dirty="0" smtClean="0"/>
-              <a:t>Testovanie funkčnosti firewallu</a:t>
-            </a:r>
-            <a:endParaRPr lang="sk-SK" dirty="0"/>
-          </a:p>
-        </p:txBody>
-      </p:sp>
-    </p:spTree>
-    <p:extLst>
-      <p:ext uri="{BB962C8B-B14F-4D97-AF65-F5344CB8AC3E}">
-        <p14:creationId xmlns:p14="http://schemas.microsoft.com/office/powerpoint/2010/main" val="4264977537"/>
       </p:ext>
     </p:extLst>
   </p:cSld>
@@ -11476,14 +11490,14 @@
                 <a:gridCol w="1296143">
                   <a:extLst>
                     <a:ext uri="{9D8B030D-6E8A-4147-A177-3AD203B41FA5}">
-                      <a16:colId xmlns="" xmlns:a16="http://schemas.microsoft.com/office/drawing/2014/main" val="20000"/>
+                      <a16:colId xmlns:a16="http://schemas.microsoft.com/office/drawing/2014/main" xmlns="" val="20000"/>
                     </a:ext>
                   </a:extLst>
                 </a:gridCol>
                 <a:gridCol w="1800200">
                   <a:extLst>
                     <a:ext uri="{9D8B030D-6E8A-4147-A177-3AD203B41FA5}">
-                      <a16:colId xmlns="" xmlns:a16="http://schemas.microsoft.com/office/drawing/2014/main" val="20001"/>
+                      <a16:colId xmlns:a16="http://schemas.microsoft.com/office/drawing/2014/main" xmlns="" val="20001"/>
                     </a:ext>
                   </a:extLst>
                 </a:gridCol>
@@ -11491,7 +11505,7 @@
                 <a:gridCol w="1683313">
                   <a:extLst>
                     <a:ext uri="{9D8B030D-6E8A-4147-A177-3AD203B41FA5}">
-                      <a16:colId xmlns="" xmlns:a16="http://schemas.microsoft.com/office/drawing/2014/main" val="20002"/>
+                      <a16:colId xmlns:a16="http://schemas.microsoft.com/office/drawing/2014/main" xmlns="" val="20002"/>
                     </a:ext>
                   </a:extLst>
                 </a:gridCol>
@@ -11595,7 +11609,7 @@
                 </a:tc>
                 <a:extLst>
                   <a:ext uri="{0D108BD9-81ED-4DB2-BD59-A6C34878D82A}">
-                    <a16:rowId xmlns="" xmlns:a16="http://schemas.microsoft.com/office/drawing/2014/main" val="10000"/>
+                    <a16:rowId xmlns:a16="http://schemas.microsoft.com/office/drawing/2014/main" xmlns="" val="10000"/>
                   </a:ext>
                 </a:extLst>
               </a:tr>
@@ -11693,7 +11707,7 @@
                 </a:tc>
                 <a:extLst>
                   <a:ext uri="{0D108BD9-81ED-4DB2-BD59-A6C34878D82A}">
-                    <a16:rowId xmlns="" xmlns:a16="http://schemas.microsoft.com/office/drawing/2014/main" val="10001"/>
+                    <a16:rowId xmlns:a16="http://schemas.microsoft.com/office/drawing/2014/main" xmlns="" val="10001"/>
                   </a:ext>
                 </a:extLst>
               </a:tr>
@@ -11807,7 +11821,7 @@
                 </a:tc>
                 <a:extLst>
                   <a:ext uri="{0D108BD9-81ED-4DB2-BD59-A6C34878D82A}">
-                    <a16:rowId xmlns="" xmlns:a16="http://schemas.microsoft.com/office/drawing/2014/main" val="10002"/>
+                    <a16:rowId xmlns:a16="http://schemas.microsoft.com/office/drawing/2014/main" xmlns="" val="10002"/>
                   </a:ext>
                 </a:extLst>
               </a:tr>
@@ -11920,7 +11934,7 @@
                 </a:tc>
                 <a:extLst>
                   <a:ext uri="{0D108BD9-81ED-4DB2-BD59-A6C34878D82A}">
-                    <a16:rowId xmlns="" xmlns:a16="http://schemas.microsoft.com/office/drawing/2014/main" val="10003"/>
+                    <a16:rowId xmlns:a16="http://schemas.microsoft.com/office/drawing/2014/main" xmlns="" val="10003"/>
                   </a:ext>
                 </a:extLst>
               </a:tr>

--- a/docs/prezentacia/prezentacia.pptx
+++ b/docs/prezentacia/prezentacia.pptx
@@ -9292,6 +9292,13 @@
       </p:transition>
     </mc:Fallback>
   </mc:AlternateContent>
+  <p:timing>
+    <p:tnLst>
+      <p:par>
+        <p:cTn id="1" dur="indefinite" restart="never" nodeType="tmRoot"/>
+      </p:par>
+    </p:tnLst>
+  </p:timing>
 </p:sld>
 </file>
 
@@ -10566,6 +10573,13 @@
       </p:transition>
     </mc:Fallback>
   </mc:AlternateContent>
+  <p:timing>
+    <p:tnLst>
+      <p:par>
+        <p:cTn id="1" dur="indefinite" restart="never" nodeType="tmRoot"/>
+      </p:par>
+    </p:tnLst>
+  </p:timing>
 </p:sld>
 </file>
 
@@ -11159,8 +11173,12 @@
           <a:lstStyle/>
           <a:p>
             <a:r>
+              <a:rPr lang="sk-SK" sz="2000" dirty="0"/>
+              <a:t>6</a:t>
+            </a:r>
+            <a:r>
               <a:rPr lang="sk-SK" sz="2000" dirty="0" smtClean="0"/>
-              <a:t>5/14</a:t>
+              <a:t>/14</a:t>
             </a:r>
             <a:endParaRPr lang="sk-SK" sz="2000" dirty="0"/>
           </a:p>

--- a/docs/prezentacia/prezentacia.pptx
+++ b/docs/prezentacia/prezentacia.pptx
@@ -11279,8 +11279,8 @@
               <a:buAutoNum type="arabicPeriod"/>
             </a:pPr>
             <a:r>
-              <a:rPr lang="sk-SK" sz="2800" dirty="0" smtClean="0"/>
-              <a:t> H1 </a:t>
+              <a:rPr lang="sk-SK" sz="2800" smtClean="0"/>
+              <a:t>H1 </a:t>
             </a:r>
             <a:r>
               <a:rPr lang="sk-SK" sz="2800" dirty="0" err="1" smtClean="0"/>

--- a/docs/prezentacia/prezentacia.pptx
+++ b/docs/prezentacia/prezentacia.pptx
@@ -10642,16 +10642,13 @@
             <a:pPr rtl="0"/>
             <a:r>
               <a:rPr lang="sk-SK" dirty="0" smtClean="0"/>
-              <a:t>Architektúra SDN</a:t>
-            </a:r>
-          </a:p>
-          <a:p>
-            <a:pPr rtl="0"/>
+              <a:t>Architektúra </a:t>
+            </a:r>
             <a:r>
               <a:rPr lang="sk-SK" dirty="0" smtClean="0"/>
-              <a:t>Topológia siete</a:t>
-            </a:r>
-            <a:endParaRPr lang="sk-SK" dirty="0"/>
+              <a:t>SDN</a:t>
+            </a:r>
+            <a:endParaRPr lang="sk-SK" dirty="0" smtClean="0"/>
           </a:p>
         </p:txBody>
       </p:sp>
@@ -10964,6 +10961,16 @@
               <a:rPr lang="sk-SK" dirty="0" smtClean="0"/>
               <a:t>Testovanie funkčnosti firewallu</a:t>
             </a:r>
+          </a:p>
+          <a:p>
+            <a:r>
+              <a:rPr lang="sk-SK" dirty="0"/>
+              <a:t>Topológia </a:t>
+            </a:r>
+            <a:r>
+              <a:rPr lang="sk-SK" dirty="0" smtClean="0"/>
+              <a:t>siete</a:t>
+            </a:r>
             <a:endParaRPr lang="sk-SK" dirty="0"/>
           </a:p>
         </p:txBody>
@@ -11279,7 +11286,7 @@
               <a:buAutoNum type="arabicPeriod"/>
             </a:pPr>
             <a:r>
-              <a:rPr lang="sk-SK" sz="2800" smtClean="0"/>
+              <a:rPr lang="sk-SK" sz="2800" dirty="0" smtClean="0"/>
               <a:t>H1 </a:t>
             </a:r>
             <a:r>
